--- a/Images/pytorch_thumbnail.pptx
+++ b/Images/pytorch_thumbnail.pptx
@@ -3783,7 +3783,9 @@
             <a:avLst/>
           </a:prstGeom>
           <a:solidFill>
-            <a:schemeClr val="bg1"/>
+            <a:srgbClr val="FFFFFF">
+              <a:alpha val="0"/>
+            </a:srgbClr>
           </a:solidFill>
           <a:ln>
             <a:noFill/>
@@ -3842,7 +3844,7 @@
         </p:blipFill>
         <p:spPr>
           <a:xfrm>
-            <a:off x="3242057" y="575057"/>
+            <a:off x="3242057" y="674210"/>
             <a:ext cx="5707885" cy="5707885"/>
           </a:xfrm>
           <a:prstGeom prst="rect">
